--- a/MidReview.pptx
+++ b/MidReview.pptx
@@ -7,6 +7,10 @@
   <p:sldIdLst>
     <p:sldId id="256" r:id="rId2"/>
     <p:sldId id="257" r:id="rId3"/>
+    <p:sldId id="260" r:id="rId4"/>
+    <p:sldId id="263" r:id="rId5"/>
+    <p:sldId id="261" r:id="rId6"/>
+    <p:sldId id="259" r:id="rId7"/>
   </p:sldIdLst>
   <p:sldSz cx="12192000" cy="6858000"/>
   <p:notesSz cx="6858000" cy="9144000"/>
@@ -105,6 +109,11 @@
       </a:defRPr>
     </a:lvl9pPr>
   </p:defaultTextStyle>
+  <p:extLst>
+    <p:ext uri="{EFAFB233-063F-42B5-8137-9DF3F51BA10A}">
+      <p15:sldGuideLst xmlns:p15="http://schemas.microsoft.com/office/powerpoint/2012/main"/>
+    </p:ext>
+  </p:extLst>
 </p:presentation>
 </file>
 
@@ -3372,49 +3381,15 @@
           <a:lstStyle/>
           <a:p>
             <a:r>
-              <a:rPr lang="en-US" sz="2800" dirty="0"/>
+              <a:rPr lang="en-US" sz="2800" dirty="0">
+                <a:latin typeface="Arial" panose="020B0604020202020204" pitchFamily="34" charset="0"/>
+                <a:cs typeface="Arial" panose="020B0604020202020204" pitchFamily="34" charset="0"/>
+              </a:rPr>
               <a:t>Mid Review</a:t>
             </a:r>
-            <a:endParaRPr lang="en-IN" sz="2800" dirty="0"/>
-          </a:p>
-        </p:txBody>
-      </p:sp>
-      <p:sp>
-        <p:nvSpPr>
-          <p:cNvPr id="3" name="Subtitle 2">
-            <a:extLst>
-              <a:ext uri="{FF2B5EF4-FFF2-40B4-BE49-F238E27FC236}">
-                <a16:creationId xmlns:a16="http://schemas.microsoft.com/office/drawing/2014/main" id="{58800D9A-E218-491D-9A5F-2313F2E81337}"/>
-              </a:ext>
-            </a:extLst>
-          </p:cNvPr>
-          <p:cNvSpPr>
-            <a:spLocks noGrp="1"/>
-          </p:cNvSpPr>
-          <p:nvPr>
-            <p:ph type="subTitle" idx="1"/>
-          </p:nvPr>
-        </p:nvSpPr>
-        <p:spPr>
-          <a:xfrm>
-            <a:off x="1523999" y="1564600"/>
-            <a:ext cx="9144000" cy="1655762"/>
-          </a:xfrm>
-        </p:spPr>
-        <p:txBody>
-          <a:bodyPr>
-            <a:normAutofit/>
-          </a:bodyPr>
-          <a:lstStyle/>
-          <a:p>
-            <a:r>
-              <a:rPr lang="en-US" sz="3600" b="1" dirty="0">
-                <a:latin typeface="+mj-lt"/>
-              </a:rPr>
-              <a:t>Health Monitoring System  </a:t>
-            </a:r>
-            <a:endParaRPr lang="en-IN" sz="3600" b="1" dirty="0">
-              <a:latin typeface="+mj-lt"/>
+            <a:endParaRPr lang="en-IN" sz="2800" dirty="0">
+              <a:latin typeface="Arial" panose="020B0604020202020204" pitchFamily="34" charset="0"/>
+              <a:cs typeface="Arial" panose="020B0604020202020204" pitchFamily="34" charset="0"/>
             </a:endParaRPr>
           </a:p>
         </p:txBody>
@@ -3546,6 +3521,387 @@
           </a:extLst>
         </p:spPr>
       </p:pic>
+      <p:sp>
+        <p:nvSpPr>
+          <p:cNvPr id="9" name="TextBox 8">
+            <a:extLst>
+              <a:ext uri="{FF2B5EF4-FFF2-40B4-BE49-F238E27FC236}">
+                <a16:creationId xmlns:a16="http://schemas.microsoft.com/office/drawing/2014/main" id="{2190BEF1-9E46-4754-8DB6-D73C5E5BE719}"/>
+              </a:ext>
+            </a:extLst>
+          </p:cNvPr>
+          <p:cNvSpPr txBox="1"/>
+          <p:nvPr/>
+        </p:nvSpPr>
+        <p:spPr>
+          <a:xfrm>
+            <a:off x="3200399" y="3962781"/>
+            <a:ext cx="6096000" cy="923330"/>
+          </a:xfrm>
+          <a:prstGeom prst="rect">
+            <a:avLst/>
+          </a:prstGeom>
+          <a:noFill/>
+        </p:spPr>
+        <p:txBody>
+          <a:bodyPr wrap="square">
+            <a:spAutoFit/>
+          </a:bodyPr>
+          <a:lstStyle/>
+          <a:p>
+            <a:pPr algn="ctr"/>
+            <a:r>
+              <a:rPr lang="en-IN" b="1" dirty="0">
+                <a:latin typeface="Arial" panose="020B0604020202020204" pitchFamily="34" charset="0"/>
+                <a:cs typeface="Arial" panose="020B0604020202020204" pitchFamily="34" charset="0"/>
+              </a:rPr>
+              <a:t>Arun Kant Dubey</a:t>
+            </a:r>
+            <a:r>
+              <a:rPr lang="en-IN" dirty="0">
+                <a:latin typeface="Arial" panose="020B0604020202020204" pitchFamily="34" charset="0"/>
+                <a:cs typeface="Arial" panose="020B0604020202020204" pitchFamily="34" charset="0"/>
+              </a:rPr>
+              <a:t> (CS20MTECH12008)</a:t>
+            </a:r>
+          </a:p>
+          <a:p>
+            <a:pPr algn="ctr"/>
+            <a:r>
+              <a:rPr lang="en-IN" b="1" dirty="0">
+                <a:latin typeface="Arial" panose="020B0604020202020204" pitchFamily="34" charset="0"/>
+                <a:cs typeface="Arial" panose="020B0604020202020204" pitchFamily="34" charset="0"/>
+              </a:rPr>
+              <a:t>Madhuri </a:t>
+            </a:r>
+            <a:r>
+              <a:rPr lang="en-IN" b="1" dirty="0" err="1">
+                <a:latin typeface="Arial" panose="020B0604020202020204" pitchFamily="34" charset="0"/>
+                <a:cs typeface="Arial" panose="020B0604020202020204" pitchFamily="34" charset="0"/>
+              </a:rPr>
+              <a:t>Annavazzala</a:t>
+            </a:r>
+            <a:r>
+              <a:rPr lang="en-IN" b="1" dirty="0">
+                <a:latin typeface="Arial" panose="020B0604020202020204" pitchFamily="34" charset="0"/>
+                <a:cs typeface="Arial" panose="020B0604020202020204" pitchFamily="34" charset="0"/>
+              </a:rPr>
+              <a:t> </a:t>
+            </a:r>
+            <a:r>
+              <a:rPr lang="en-IN" dirty="0">
+                <a:latin typeface="Arial" panose="020B0604020202020204" pitchFamily="34" charset="0"/>
+                <a:cs typeface="Arial" panose="020B0604020202020204" pitchFamily="34" charset="0"/>
+              </a:rPr>
+              <a:t>(CS21MTECH02003)</a:t>
+            </a:r>
+          </a:p>
+          <a:p>
+            <a:pPr algn="ctr"/>
+            <a:r>
+              <a:rPr lang="en-IN" b="1" dirty="0">
+                <a:latin typeface="Arial" panose="020B0604020202020204" pitchFamily="34" charset="0"/>
+                <a:cs typeface="Arial" panose="020B0604020202020204" pitchFamily="34" charset="0"/>
+              </a:rPr>
+              <a:t>Harish S A </a:t>
+            </a:r>
+            <a:r>
+              <a:rPr lang="en-IN" dirty="0">
+                <a:latin typeface="Arial" panose="020B0604020202020204" pitchFamily="34" charset="0"/>
+                <a:cs typeface="Arial" panose="020B0604020202020204" pitchFamily="34" charset="0"/>
+              </a:rPr>
+              <a:t>(CS21RESCH11009)</a:t>
+            </a:r>
+          </a:p>
+        </p:txBody>
+      </p:sp>
+      <p:sp>
+        <p:nvSpPr>
+          <p:cNvPr id="10" name="Subtitle 2">
+            <a:extLst>
+              <a:ext uri="{FF2B5EF4-FFF2-40B4-BE49-F238E27FC236}">
+                <a16:creationId xmlns:a16="http://schemas.microsoft.com/office/drawing/2014/main" id="{3CFEB71F-033A-412D-A6A0-4562F7B298B7}"/>
+              </a:ext>
+            </a:extLst>
+          </p:cNvPr>
+          <p:cNvSpPr txBox="1">
+            <a:spLocks/>
+          </p:cNvSpPr>
+          <p:nvPr/>
+        </p:nvSpPr>
+        <p:spPr>
+          <a:xfrm>
+            <a:off x="1676399" y="1717000"/>
+            <a:ext cx="9144000" cy="1655762"/>
+          </a:xfrm>
+          <a:prstGeom prst="rect">
+            <a:avLst/>
+          </a:prstGeom>
+        </p:spPr>
+        <p:txBody>
+          <a:bodyPr vert="horz" lIns="91440" tIns="45720" rIns="91440" bIns="45720" rtlCol="0">
+            <a:normAutofit/>
+          </a:bodyPr>
+          <a:lstStyle>
+            <a:lvl1pPr marL="0" indent="0" algn="ctr" defTabSz="914400" rtl="0" eaLnBrk="1" latinLnBrk="0" hangingPunct="1">
+              <a:lnSpc>
+                <a:spcPct val="90000"/>
+              </a:lnSpc>
+              <a:spcBef>
+                <a:spcPts val="1000"/>
+              </a:spcBef>
+              <a:buFont typeface="Arial" panose="020B0604020202020204" pitchFamily="34" charset="0"/>
+              <a:buNone/>
+              <a:defRPr sz="2400" kern="1200">
+                <a:solidFill>
+                  <a:schemeClr val="tx1"/>
+                </a:solidFill>
+                <a:latin typeface="+mn-lt"/>
+                <a:ea typeface="+mn-ea"/>
+                <a:cs typeface="+mn-cs"/>
+              </a:defRPr>
+            </a:lvl1pPr>
+            <a:lvl2pPr marL="457200" indent="0" algn="ctr" defTabSz="914400" rtl="0" eaLnBrk="1" latinLnBrk="0" hangingPunct="1">
+              <a:lnSpc>
+                <a:spcPct val="90000"/>
+              </a:lnSpc>
+              <a:spcBef>
+                <a:spcPts val="500"/>
+              </a:spcBef>
+              <a:buFont typeface="Arial" panose="020B0604020202020204" pitchFamily="34" charset="0"/>
+              <a:buNone/>
+              <a:defRPr sz="2000" kern="1200">
+                <a:solidFill>
+                  <a:schemeClr val="tx1"/>
+                </a:solidFill>
+                <a:latin typeface="+mn-lt"/>
+                <a:ea typeface="+mn-ea"/>
+                <a:cs typeface="+mn-cs"/>
+              </a:defRPr>
+            </a:lvl2pPr>
+            <a:lvl3pPr marL="914400" indent="0" algn="ctr" defTabSz="914400" rtl="0" eaLnBrk="1" latinLnBrk="0" hangingPunct="1">
+              <a:lnSpc>
+                <a:spcPct val="90000"/>
+              </a:lnSpc>
+              <a:spcBef>
+                <a:spcPts val="500"/>
+              </a:spcBef>
+              <a:buFont typeface="Arial" panose="020B0604020202020204" pitchFamily="34" charset="0"/>
+              <a:buNone/>
+              <a:defRPr sz="1800" kern="1200">
+                <a:solidFill>
+                  <a:schemeClr val="tx1"/>
+                </a:solidFill>
+                <a:latin typeface="+mn-lt"/>
+                <a:ea typeface="+mn-ea"/>
+                <a:cs typeface="+mn-cs"/>
+              </a:defRPr>
+            </a:lvl3pPr>
+            <a:lvl4pPr marL="1371600" indent="0" algn="ctr" defTabSz="914400" rtl="0" eaLnBrk="1" latinLnBrk="0" hangingPunct="1">
+              <a:lnSpc>
+                <a:spcPct val="90000"/>
+              </a:lnSpc>
+              <a:spcBef>
+                <a:spcPts val="500"/>
+              </a:spcBef>
+              <a:buFont typeface="Arial" panose="020B0604020202020204" pitchFamily="34" charset="0"/>
+              <a:buNone/>
+              <a:defRPr sz="1600" kern="1200">
+                <a:solidFill>
+                  <a:schemeClr val="tx1"/>
+                </a:solidFill>
+                <a:latin typeface="+mn-lt"/>
+                <a:ea typeface="+mn-ea"/>
+                <a:cs typeface="+mn-cs"/>
+              </a:defRPr>
+            </a:lvl4pPr>
+            <a:lvl5pPr marL="1828800" indent="0" algn="ctr" defTabSz="914400" rtl="0" eaLnBrk="1" latinLnBrk="0" hangingPunct="1">
+              <a:lnSpc>
+                <a:spcPct val="90000"/>
+              </a:lnSpc>
+              <a:spcBef>
+                <a:spcPts val="500"/>
+              </a:spcBef>
+              <a:buFont typeface="Arial" panose="020B0604020202020204" pitchFamily="34" charset="0"/>
+              <a:buNone/>
+              <a:defRPr sz="1600" kern="1200">
+                <a:solidFill>
+                  <a:schemeClr val="tx1"/>
+                </a:solidFill>
+                <a:latin typeface="+mn-lt"/>
+                <a:ea typeface="+mn-ea"/>
+                <a:cs typeface="+mn-cs"/>
+              </a:defRPr>
+            </a:lvl5pPr>
+            <a:lvl6pPr marL="2286000" indent="0" algn="ctr" defTabSz="914400" rtl="0" eaLnBrk="1" latinLnBrk="0" hangingPunct="1">
+              <a:lnSpc>
+                <a:spcPct val="90000"/>
+              </a:lnSpc>
+              <a:spcBef>
+                <a:spcPts val="500"/>
+              </a:spcBef>
+              <a:buFont typeface="Arial" panose="020B0604020202020204" pitchFamily="34" charset="0"/>
+              <a:buNone/>
+              <a:defRPr sz="1600" kern="1200">
+                <a:solidFill>
+                  <a:schemeClr val="tx1"/>
+                </a:solidFill>
+                <a:latin typeface="+mn-lt"/>
+                <a:ea typeface="+mn-ea"/>
+                <a:cs typeface="+mn-cs"/>
+              </a:defRPr>
+            </a:lvl6pPr>
+            <a:lvl7pPr marL="2743200" indent="0" algn="ctr" defTabSz="914400" rtl="0" eaLnBrk="1" latinLnBrk="0" hangingPunct="1">
+              <a:lnSpc>
+                <a:spcPct val="90000"/>
+              </a:lnSpc>
+              <a:spcBef>
+                <a:spcPts val="500"/>
+              </a:spcBef>
+              <a:buFont typeface="Arial" panose="020B0604020202020204" pitchFamily="34" charset="0"/>
+              <a:buNone/>
+              <a:defRPr sz="1600" kern="1200">
+                <a:solidFill>
+                  <a:schemeClr val="tx1"/>
+                </a:solidFill>
+                <a:latin typeface="+mn-lt"/>
+                <a:ea typeface="+mn-ea"/>
+                <a:cs typeface="+mn-cs"/>
+              </a:defRPr>
+            </a:lvl7pPr>
+            <a:lvl8pPr marL="3200400" indent="0" algn="ctr" defTabSz="914400" rtl="0" eaLnBrk="1" latinLnBrk="0" hangingPunct="1">
+              <a:lnSpc>
+                <a:spcPct val="90000"/>
+              </a:lnSpc>
+              <a:spcBef>
+                <a:spcPts val="500"/>
+              </a:spcBef>
+              <a:buFont typeface="Arial" panose="020B0604020202020204" pitchFamily="34" charset="0"/>
+              <a:buNone/>
+              <a:defRPr sz="1600" kern="1200">
+                <a:solidFill>
+                  <a:schemeClr val="tx1"/>
+                </a:solidFill>
+                <a:latin typeface="+mn-lt"/>
+                <a:ea typeface="+mn-ea"/>
+                <a:cs typeface="+mn-cs"/>
+              </a:defRPr>
+            </a:lvl8pPr>
+            <a:lvl9pPr marL="3657600" indent="0" algn="ctr" defTabSz="914400" rtl="0" eaLnBrk="1" latinLnBrk="0" hangingPunct="1">
+              <a:lnSpc>
+                <a:spcPct val="90000"/>
+              </a:lnSpc>
+              <a:spcBef>
+                <a:spcPts val="500"/>
+              </a:spcBef>
+              <a:buFont typeface="Arial" panose="020B0604020202020204" pitchFamily="34" charset="0"/>
+              <a:buNone/>
+              <a:defRPr sz="1600" kern="1200">
+                <a:solidFill>
+                  <a:schemeClr val="tx1"/>
+                </a:solidFill>
+                <a:latin typeface="+mn-lt"/>
+                <a:ea typeface="+mn-ea"/>
+                <a:cs typeface="+mn-cs"/>
+              </a:defRPr>
+            </a:lvl9pPr>
+          </a:lstStyle>
+          <a:p>
+            <a:r>
+              <a:rPr lang="en-US" sz="3600" b="1" dirty="0">
+                <a:latin typeface="Arial" panose="020B0604020202020204" pitchFamily="34" charset="0"/>
+                <a:cs typeface="Arial" panose="020B0604020202020204" pitchFamily="34" charset="0"/>
+              </a:rPr>
+              <a:t>Health Monitoring System  </a:t>
+            </a:r>
+            <a:endParaRPr lang="en-IN" sz="3600" b="1" dirty="0">
+              <a:latin typeface="Arial" panose="020B0604020202020204" pitchFamily="34" charset="0"/>
+              <a:cs typeface="Arial" panose="020B0604020202020204" pitchFamily="34" charset="0"/>
+            </a:endParaRPr>
+          </a:p>
+        </p:txBody>
+      </p:sp>
+      <p:sp>
+        <p:nvSpPr>
+          <p:cNvPr id="12" name="TextBox 11">
+            <a:extLst>
+              <a:ext uri="{FF2B5EF4-FFF2-40B4-BE49-F238E27FC236}">
+                <a16:creationId xmlns:a16="http://schemas.microsoft.com/office/drawing/2014/main" id="{2C38BAF0-5A29-4A61-92DC-4B5BE523BE8A}"/>
+              </a:ext>
+            </a:extLst>
+          </p:cNvPr>
+          <p:cNvSpPr txBox="1"/>
+          <p:nvPr/>
+        </p:nvSpPr>
+        <p:spPr>
+          <a:xfrm>
+            <a:off x="3200399" y="5334381"/>
+            <a:ext cx="6096000" cy="923330"/>
+          </a:xfrm>
+          <a:prstGeom prst="rect">
+            <a:avLst/>
+          </a:prstGeom>
+          <a:noFill/>
+        </p:spPr>
+        <p:txBody>
+          <a:bodyPr wrap="square">
+            <a:spAutoFit/>
+          </a:bodyPr>
+          <a:lstStyle/>
+          <a:p>
+            <a:pPr algn="ctr"/>
+            <a:r>
+              <a:rPr lang="en-IN" b="1" dirty="0">
+                <a:latin typeface="Arial" panose="020B0604020202020204" pitchFamily="34" charset="0"/>
+                <a:cs typeface="Arial" panose="020B0604020202020204" pitchFamily="34" charset="0"/>
+              </a:rPr>
+              <a:t>Mentored by:</a:t>
+            </a:r>
+          </a:p>
+          <a:p>
+            <a:pPr algn="ctr"/>
+            <a:endParaRPr lang="en-IN" b="1" dirty="0">
+              <a:latin typeface="Arial" panose="020B0604020202020204" pitchFamily="34" charset="0"/>
+              <a:cs typeface="Arial" panose="020B0604020202020204" pitchFamily="34" charset="0"/>
+            </a:endParaRPr>
+          </a:p>
+          <a:p>
+            <a:pPr algn="ctr"/>
+            <a:r>
+              <a:rPr lang="en-IN" dirty="0">
+                <a:latin typeface="Arial" panose="020B0604020202020204" pitchFamily="34" charset="0"/>
+                <a:cs typeface="Arial" panose="020B0604020202020204" pitchFamily="34" charset="0"/>
+              </a:rPr>
+              <a:t>Mr. </a:t>
+            </a:r>
+            <a:r>
+              <a:rPr lang="en-IN" dirty="0" err="1">
+                <a:latin typeface="Arial" panose="020B0604020202020204" pitchFamily="34" charset="0"/>
+                <a:cs typeface="Arial" panose="020B0604020202020204" pitchFamily="34" charset="0"/>
+              </a:rPr>
+              <a:t>Mrunal</a:t>
+            </a:r>
+            <a:r>
+              <a:rPr lang="en-IN" dirty="0">
+                <a:latin typeface="Arial" panose="020B0604020202020204" pitchFamily="34" charset="0"/>
+                <a:cs typeface="Arial" panose="020B0604020202020204" pitchFamily="34" charset="0"/>
+              </a:rPr>
+              <a:t> </a:t>
+            </a:r>
+            <a:r>
+              <a:rPr lang="en-IN" dirty="0" err="1">
+                <a:latin typeface="Arial" panose="020B0604020202020204" pitchFamily="34" charset="0"/>
+                <a:cs typeface="Arial" panose="020B0604020202020204" pitchFamily="34" charset="0"/>
+              </a:rPr>
+              <a:t>Sovani</a:t>
+            </a:r>
+            <a:endParaRPr lang="en-IN" dirty="0">
+              <a:latin typeface="Arial" panose="020B0604020202020204" pitchFamily="34" charset="0"/>
+              <a:cs typeface="Arial" panose="020B0604020202020204" pitchFamily="34" charset="0"/>
+            </a:endParaRPr>
+          </a:p>
+        </p:txBody>
+      </p:sp>
     </p:spTree>
     <p:extLst>
       <p:ext uri="{BB962C8B-B14F-4D97-AF65-F5344CB8AC3E}">
@@ -3606,12 +3962,14 @@
           <a:p>
             <a:r>
               <a:rPr lang="en-US" sz="3200" dirty="0">
-                <a:latin typeface="Work Sans SemiBold" pitchFamily="2" charset="0"/>
+                <a:latin typeface="Arial" panose="020B0604020202020204" pitchFamily="34" charset="0"/>
+                <a:cs typeface="Arial" panose="020B0604020202020204" pitchFamily="34" charset="0"/>
               </a:rPr>
               <a:t>Overview</a:t>
             </a:r>
             <a:endParaRPr lang="en-IN" sz="3200" dirty="0">
-              <a:latin typeface="Work Sans SemiBold" pitchFamily="2" charset="0"/>
+              <a:latin typeface="Arial" panose="020B0604020202020204" pitchFamily="34" charset="0"/>
+              <a:cs typeface="Arial" panose="020B0604020202020204" pitchFamily="34" charset="0"/>
             </a:endParaRPr>
           </a:p>
         </p:txBody>
@@ -3646,7 +4004,8 @@
           <a:p>
             <a:r>
               <a:rPr lang="en-US" sz="2000" dirty="0">
-                <a:latin typeface="Work Sans" pitchFamily="2" charset="0"/>
+                <a:latin typeface="Arial" panose="020B0604020202020204" pitchFamily="34" charset="0"/>
+                <a:cs typeface="Arial" panose="020B0604020202020204" pitchFamily="34" charset="0"/>
               </a:rPr>
               <a:t>Objectives</a:t>
             </a:r>
@@ -3654,20 +4013,63 @@
           <a:p>
             <a:r>
               <a:rPr lang="en-US" sz="2000" dirty="0">
-                <a:latin typeface="Work Sans" pitchFamily="2" charset="0"/>
+                <a:latin typeface="Arial" panose="020B0604020202020204" pitchFamily="34" charset="0"/>
+                <a:cs typeface="Arial" panose="020B0604020202020204" pitchFamily="34" charset="0"/>
               </a:rPr>
               <a:t>Design Proposal</a:t>
             </a:r>
           </a:p>
           <a:p>
+            <a:pPr lvl="1"/>
+            <a:r>
+              <a:rPr lang="en-US" sz="1600" dirty="0">
+                <a:latin typeface="Arial" panose="020B0604020202020204" pitchFamily="34" charset="0"/>
+                <a:cs typeface="Arial" panose="020B0604020202020204" pitchFamily="34" charset="0"/>
+              </a:rPr>
+              <a:t>Sensor End</a:t>
+            </a:r>
+          </a:p>
+          <a:p>
+            <a:pPr lvl="1"/>
+            <a:r>
+              <a:rPr lang="en-US" sz="1600" dirty="0">
+                <a:latin typeface="Arial" panose="020B0604020202020204" pitchFamily="34" charset="0"/>
+                <a:cs typeface="Arial" panose="020B0604020202020204" pitchFamily="34" charset="0"/>
+              </a:rPr>
+              <a:t>Backend</a:t>
+            </a:r>
+          </a:p>
+          <a:p>
+            <a:pPr lvl="1"/>
+            <a:r>
+              <a:rPr lang="en-US" sz="1600" dirty="0">
+                <a:latin typeface="Arial" panose="020B0604020202020204" pitchFamily="34" charset="0"/>
+                <a:cs typeface="Arial" panose="020B0604020202020204" pitchFamily="34" charset="0"/>
+              </a:rPr>
+              <a:t>Frontend</a:t>
+            </a:r>
+          </a:p>
+          <a:p>
             <a:r>
               <a:rPr lang="en-US" sz="2000" dirty="0">
-                <a:latin typeface="Work Sans" pitchFamily="2" charset="0"/>
+                <a:latin typeface="Arial" panose="020B0604020202020204" pitchFamily="34" charset="0"/>
+                <a:cs typeface="Arial" panose="020B0604020202020204" pitchFamily="34" charset="0"/>
               </a:rPr>
               <a:t>Plan of Approach</a:t>
             </a:r>
-            <a:endParaRPr lang="en-IN" sz="2000" dirty="0">
-              <a:latin typeface="Work Sans" pitchFamily="2" charset="0"/>
+          </a:p>
+          <a:p>
+            <a:pPr lvl="1"/>
+            <a:r>
+              <a:rPr lang="en-US" sz="1600">
+                <a:latin typeface="Arial" panose="020B0604020202020204" pitchFamily="34" charset="0"/>
+                <a:cs typeface="Arial" panose="020B0604020202020204" pitchFamily="34" charset="0"/>
+              </a:rPr>
+              <a:t>Sprint Timeline</a:t>
+            </a:r>
+            <a:endParaRPr lang="en-IN" sz="1600" dirty="0">
+              <a:latin typeface="Arial" panose="020B0604020202020204" pitchFamily="34" charset="0"/>
+              <a:cs typeface="Arial" panose="020B0604020202020204" pitchFamily="34" charset="0"/>
             </a:endParaRPr>
           </a:p>
         </p:txBody>
@@ -3795,6 +4197,1013 @@
     <p:extLst>
       <p:ext uri="{BB962C8B-B14F-4D97-AF65-F5344CB8AC3E}">
         <p14:creationId xmlns:p14="http://schemas.microsoft.com/office/powerpoint/2010/main" val="2711389843"/>
+      </p:ext>
+    </p:extLst>
+  </p:cSld>
+  <p:clrMapOvr>
+    <a:masterClrMapping/>
+  </p:clrMapOvr>
+</p:sld>
+</file>
+
+<file path=ppt/slides/slide3.xml><?xml version="1.0" encoding="utf-8"?>
+<p:sld xmlns:a="http://schemas.openxmlformats.org/drawingml/2006/main" xmlns:r="http://schemas.openxmlformats.org/officeDocument/2006/relationships" xmlns:p="http://schemas.openxmlformats.org/presentationml/2006/main">
+  <p:cSld>
+    <p:spTree>
+      <p:nvGrpSpPr>
+        <p:cNvPr id="1" name=""/>
+        <p:cNvGrpSpPr/>
+        <p:nvPr/>
+      </p:nvGrpSpPr>
+      <p:grpSpPr>
+        <a:xfrm>
+          <a:off x="0" y="0"/>
+          <a:ext cx="0" cy="0"/>
+          <a:chOff x="0" y="0"/>
+          <a:chExt cx="0" cy="0"/>
+        </a:xfrm>
+      </p:grpSpPr>
+      <p:sp>
+        <p:nvSpPr>
+          <p:cNvPr id="2" name="Title 1">
+            <a:extLst>
+              <a:ext uri="{FF2B5EF4-FFF2-40B4-BE49-F238E27FC236}">
+                <a16:creationId xmlns:a16="http://schemas.microsoft.com/office/drawing/2014/main" id="{846C5ACE-43FC-46A8-BADE-74B4D9BBAE3A}"/>
+              </a:ext>
+            </a:extLst>
+          </p:cNvPr>
+          <p:cNvSpPr>
+            <a:spLocks noGrp="1"/>
+          </p:cNvSpPr>
+          <p:nvPr>
+            <p:ph type="title"/>
+          </p:nvPr>
+        </p:nvSpPr>
+        <p:spPr>
+          <a:xfrm>
+            <a:off x="524164" y="286327"/>
+            <a:ext cx="10515600" cy="489961"/>
+          </a:xfrm>
+        </p:spPr>
+        <p:txBody>
+          <a:bodyPr>
+            <a:normAutofit fontScale="90000"/>
+          </a:bodyPr>
+          <a:lstStyle/>
+          <a:p>
+            <a:r>
+              <a:rPr lang="en-US" sz="3200" dirty="0">
+                <a:latin typeface="Arial" panose="020B0604020202020204" pitchFamily="34" charset="0"/>
+                <a:cs typeface="Arial" panose="020B0604020202020204" pitchFamily="34" charset="0"/>
+              </a:rPr>
+              <a:t>Sensor End</a:t>
+            </a:r>
+            <a:endParaRPr lang="en-IN" sz="3200" dirty="0">
+              <a:latin typeface="Arial" panose="020B0604020202020204" pitchFamily="34" charset="0"/>
+              <a:cs typeface="Arial" panose="020B0604020202020204" pitchFamily="34" charset="0"/>
+            </a:endParaRPr>
+          </a:p>
+        </p:txBody>
+      </p:sp>
+      <p:sp>
+        <p:nvSpPr>
+          <p:cNvPr id="3" name="Content Placeholder 2">
+            <a:extLst>
+              <a:ext uri="{FF2B5EF4-FFF2-40B4-BE49-F238E27FC236}">
+                <a16:creationId xmlns:a16="http://schemas.microsoft.com/office/drawing/2014/main" id="{A069572D-1F86-46D7-9755-07B92F83520E}"/>
+              </a:ext>
+            </a:extLst>
+          </p:cNvPr>
+          <p:cNvSpPr>
+            <a:spLocks noGrp="1"/>
+          </p:cNvSpPr>
+          <p:nvPr>
+            <p:ph idx="1"/>
+          </p:nvPr>
+        </p:nvSpPr>
+        <p:spPr>
+          <a:xfrm>
+            <a:off x="651164" y="1246910"/>
+            <a:ext cx="10702636" cy="4930053"/>
+          </a:xfrm>
+        </p:spPr>
+        <p:txBody>
+          <a:bodyPr>
+            <a:normAutofit/>
+          </a:bodyPr>
+          <a:lstStyle/>
+          <a:p>
+            <a:r>
+              <a:rPr lang="en-US" sz="2000" dirty="0">
+                <a:latin typeface="Arial" panose="020B0604020202020204" pitchFamily="34" charset="0"/>
+                <a:cs typeface="Arial" panose="020B0604020202020204" pitchFamily="34" charset="0"/>
+              </a:rPr>
+              <a:t>Sensors used</a:t>
+            </a:r>
+          </a:p>
+          <a:p>
+            <a:r>
+              <a:rPr lang="en-US" sz="2000" dirty="0" err="1">
+                <a:latin typeface="Arial" panose="020B0604020202020204" pitchFamily="34" charset="0"/>
+                <a:cs typeface="Arial" panose="020B0604020202020204" pitchFamily="34" charset="0"/>
+              </a:rPr>
+              <a:t>Rpi</a:t>
+            </a:r>
+            <a:r>
+              <a:rPr lang="en-US" sz="2000" dirty="0">
+                <a:latin typeface="Arial" panose="020B0604020202020204" pitchFamily="34" charset="0"/>
+                <a:cs typeface="Arial" panose="020B0604020202020204" pitchFamily="34" charset="0"/>
+              </a:rPr>
+              <a:t> function</a:t>
+            </a:r>
+          </a:p>
+          <a:p>
+            <a:r>
+              <a:rPr lang="en-US" sz="2000" dirty="0">
+                <a:latin typeface="Arial" panose="020B0604020202020204" pitchFamily="34" charset="0"/>
+                <a:cs typeface="Arial" panose="020B0604020202020204" pitchFamily="34" charset="0"/>
+              </a:rPr>
+              <a:t>Diagram</a:t>
+            </a:r>
+            <a:endParaRPr lang="en-IN" sz="1600" dirty="0">
+              <a:latin typeface="Arial" panose="020B0604020202020204" pitchFamily="34" charset="0"/>
+              <a:cs typeface="Arial" panose="020B0604020202020204" pitchFamily="34" charset="0"/>
+            </a:endParaRPr>
+          </a:p>
+        </p:txBody>
+      </p:sp>
+      <p:cxnSp>
+        <p:nvCxnSpPr>
+          <p:cNvPr id="4" name="Straight Connector 3">
+            <a:extLst>
+              <a:ext uri="{FF2B5EF4-FFF2-40B4-BE49-F238E27FC236}">
+                <a16:creationId xmlns:a16="http://schemas.microsoft.com/office/drawing/2014/main" id="{21EB9266-7893-490F-8F88-BF2A8FF88F0D}"/>
+              </a:ext>
+            </a:extLst>
+          </p:cNvPr>
+          <p:cNvCxnSpPr>
+            <a:cxnSpLocks/>
+          </p:cNvCxnSpPr>
+          <p:nvPr/>
+        </p:nvCxnSpPr>
+        <p:spPr>
+          <a:xfrm>
+            <a:off x="651164" y="874830"/>
+            <a:ext cx="2443018" cy="0"/>
+          </a:xfrm>
+          <a:prstGeom prst="line">
+            <a:avLst/>
+          </a:prstGeom>
+          <a:ln w="38100"/>
+        </p:spPr>
+        <p:style>
+          <a:lnRef idx="1">
+            <a:schemeClr val="accent1"/>
+          </a:lnRef>
+          <a:fillRef idx="0">
+            <a:schemeClr val="accent1"/>
+          </a:fillRef>
+          <a:effectRef idx="0">
+            <a:schemeClr val="accent1"/>
+          </a:effectRef>
+          <a:fontRef idx="minor">
+            <a:schemeClr val="tx1"/>
+          </a:fontRef>
+        </p:style>
+      </p:cxnSp>
+      <p:pic>
+        <p:nvPicPr>
+          <p:cNvPr id="6" name="Picture 5" descr="IITH Logo Design">
+            <a:extLst>
+              <a:ext uri="{FF2B5EF4-FFF2-40B4-BE49-F238E27FC236}">
+                <a16:creationId xmlns:a16="http://schemas.microsoft.com/office/drawing/2014/main" id="{AA71E5E9-6B82-418E-8FED-534AF09DE14F}"/>
+              </a:ext>
+            </a:extLst>
+          </p:cNvPr>
+          <p:cNvPicPr>
+            <a:picLocks noChangeAspect="1"/>
+          </p:cNvPicPr>
+          <p:nvPr/>
+        </p:nvPicPr>
+        <p:blipFill>
+          <a:blip r:embed="rId2" cstate="print">
+            <a:extLst>
+              <a:ext uri="{28A0092B-C50C-407E-A947-70E740481C1C}">
+                <a14:useLocalDpi xmlns:a14="http://schemas.microsoft.com/office/drawing/2010/main" val="0"/>
+              </a:ext>
+            </a:extLst>
+          </a:blip>
+          <a:srcRect/>
+          <a:stretch>
+            <a:fillRect/>
+          </a:stretch>
+        </p:blipFill>
+        <p:spPr bwMode="auto">
+          <a:xfrm>
+            <a:off x="11321786" y="166966"/>
+            <a:ext cx="703312" cy="707864"/>
+          </a:xfrm>
+          <a:prstGeom prst="rect">
+            <a:avLst/>
+          </a:prstGeom>
+          <a:noFill/>
+          <a:ln>
+            <a:noFill/>
+          </a:ln>
+        </p:spPr>
+      </p:pic>
+      <p:cxnSp>
+        <p:nvCxnSpPr>
+          <p:cNvPr id="8" name="Straight Connector 7">
+            <a:extLst>
+              <a:ext uri="{FF2B5EF4-FFF2-40B4-BE49-F238E27FC236}">
+                <a16:creationId xmlns:a16="http://schemas.microsoft.com/office/drawing/2014/main" id="{C5A11E7C-DBEE-46CE-B1FB-9B780C9F6EBA}"/>
+              </a:ext>
+            </a:extLst>
+          </p:cNvPr>
+          <p:cNvCxnSpPr>
+            <a:cxnSpLocks/>
+          </p:cNvCxnSpPr>
+          <p:nvPr/>
+        </p:nvCxnSpPr>
+        <p:spPr>
+          <a:xfrm>
+            <a:off x="708891" y="6387087"/>
+            <a:ext cx="10774218" cy="0"/>
+          </a:xfrm>
+          <a:prstGeom prst="line">
+            <a:avLst/>
+          </a:prstGeom>
+          <a:ln w="38100"/>
+        </p:spPr>
+        <p:style>
+          <a:lnRef idx="1">
+            <a:schemeClr val="accent1"/>
+          </a:lnRef>
+          <a:fillRef idx="0">
+            <a:schemeClr val="accent1"/>
+          </a:fillRef>
+          <a:effectRef idx="0">
+            <a:schemeClr val="accent1"/>
+          </a:effectRef>
+          <a:fontRef idx="minor">
+            <a:schemeClr val="tx1"/>
+          </a:fontRef>
+        </p:style>
+      </p:cxnSp>
+    </p:spTree>
+    <p:extLst>
+      <p:ext uri="{BB962C8B-B14F-4D97-AF65-F5344CB8AC3E}">
+        <p14:creationId xmlns:p14="http://schemas.microsoft.com/office/powerpoint/2010/main" val="2174797478"/>
+      </p:ext>
+    </p:extLst>
+  </p:cSld>
+  <p:clrMapOvr>
+    <a:masterClrMapping/>
+  </p:clrMapOvr>
+</p:sld>
+</file>
+
+<file path=ppt/slides/slide4.xml><?xml version="1.0" encoding="utf-8"?>
+<p:sld xmlns:a="http://schemas.openxmlformats.org/drawingml/2006/main" xmlns:r="http://schemas.openxmlformats.org/officeDocument/2006/relationships" xmlns:p="http://schemas.openxmlformats.org/presentationml/2006/main">
+  <p:cSld>
+    <p:spTree>
+      <p:nvGrpSpPr>
+        <p:cNvPr id="1" name=""/>
+        <p:cNvGrpSpPr/>
+        <p:nvPr/>
+      </p:nvGrpSpPr>
+      <p:grpSpPr>
+        <a:xfrm>
+          <a:off x="0" y="0"/>
+          <a:ext cx="0" cy="0"/>
+          <a:chOff x="0" y="0"/>
+          <a:chExt cx="0" cy="0"/>
+        </a:xfrm>
+      </p:grpSpPr>
+      <p:sp>
+        <p:nvSpPr>
+          <p:cNvPr id="2" name="Title 1">
+            <a:extLst>
+              <a:ext uri="{FF2B5EF4-FFF2-40B4-BE49-F238E27FC236}">
+                <a16:creationId xmlns:a16="http://schemas.microsoft.com/office/drawing/2014/main" id="{846C5ACE-43FC-46A8-BADE-74B4D9BBAE3A}"/>
+              </a:ext>
+            </a:extLst>
+          </p:cNvPr>
+          <p:cNvSpPr>
+            <a:spLocks noGrp="1"/>
+          </p:cNvSpPr>
+          <p:nvPr>
+            <p:ph type="title"/>
+          </p:nvPr>
+        </p:nvSpPr>
+        <p:spPr>
+          <a:xfrm>
+            <a:off x="524164" y="286327"/>
+            <a:ext cx="10515600" cy="489961"/>
+          </a:xfrm>
+        </p:spPr>
+        <p:txBody>
+          <a:bodyPr>
+            <a:normAutofit fontScale="90000"/>
+          </a:bodyPr>
+          <a:lstStyle/>
+          <a:p>
+            <a:r>
+              <a:rPr lang="en-US" sz="3200" dirty="0">
+                <a:latin typeface="Arial" panose="020B0604020202020204" pitchFamily="34" charset="0"/>
+                <a:cs typeface="Arial" panose="020B0604020202020204" pitchFamily="34" charset="0"/>
+              </a:rPr>
+              <a:t>Backend</a:t>
+            </a:r>
+            <a:endParaRPr lang="en-IN" sz="3200" dirty="0">
+              <a:latin typeface="Arial" panose="020B0604020202020204" pitchFamily="34" charset="0"/>
+              <a:cs typeface="Arial" panose="020B0604020202020204" pitchFamily="34" charset="0"/>
+            </a:endParaRPr>
+          </a:p>
+        </p:txBody>
+      </p:sp>
+      <p:sp>
+        <p:nvSpPr>
+          <p:cNvPr id="3" name="Content Placeholder 2">
+            <a:extLst>
+              <a:ext uri="{FF2B5EF4-FFF2-40B4-BE49-F238E27FC236}">
+                <a16:creationId xmlns:a16="http://schemas.microsoft.com/office/drawing/2014/main" id="{A069572D-1F86-46D7-9755-07B92F83520E}"/>
+              </a:ext>
+            </a:extLst>
+          </p:cNvPr>
+          <p:cNvSpPr>
+            <a:spLocks noGrp="1"/>
+          </p:cNvSpPr>
+          <p:nvPr>
+            <p:ph idx="1"/>
+          </p:nvPr>
+        </p:nvSpPr>
+        <p:spPr>
+          <a:xfrm>
+            <a:off x="651164" y="1246910"/>
+            <a:ext cx="10702636" cy="4930053"/>
+          </a:xfrm>
+        </p:spPr>
+        <p:txBody>
+          <a:bodyPr>
+            <a:normAutofit/>
+          </a:bodyPr>
+          <a:lstStyle/>
+          <a:p>
+            <a:r>
+              <a:rPr lang="en-US" sz="2000" dirty="0">
+                <a:latin typeface="Arial" panose="020B0604020202020204" pitchFamily="34" charset="0"/>
+                <a:cs typeface="Arial" panose="020B0604020202020204" pitchFamily="34" charset="0"/>
+              </a:rPr>
+              <a:t>Sensors used</a:t>
+            </a:r>
+          </a:p>
+          <a:p>
+            <a:r>
+              <a:rPr lang="en-US" sz="2000" dirty="0" err="1">
+                <a:latin typeface="Arial" panose="020B0604020202020204" pitchFamily="34" charset="0"/>
+                <a:cs typeface="Arial" panose="020B0604020202020204" pitchFamily="34" charset="0"/>
+              </a:rPr>
+              <a:t>Rpi</a:t>
+            </a:r>
+            <a:r>
+              <a:rPr lang="en-US" sz="2000" dirty="0">
+                <a:latin typeface="Arial" panose="020B0604020202020204" pitchFamily="34" charset="0"/>
+                <a:cs typeface="Arial" panose="020B0604020202020204" pitchFamily="34" charset="0"/>
+              </a:rPr>
+              <a:t> function</a:t>
+            </a:r>
+          </a:p>
+          <a:p>
+            <a:r>
+              <a:rPr lang="en-US" sz="2000" dirty="0">
+                <a:latin typeface="Arial" panose="020B0604020202020204" pitchFamily="34" charset="0"/>
+                <a:cs typeface="Arial" panose="020B0604020202020204" pitchFamily="34" charset="0"/>
+              </a:rPr>
+              <a:t>Diagram</a:t>
+            </a:r>
+            <a:endParaRPr lang="en-IN" sz="1600" dirty="0">
+              <a:latin typeface="Arial" panose="020B0604020202020204" pitchFamily="34" charset="0"/>
+              <a:cs typeface="Arial" panose="020B0604020202020204" pitchFamily="34" charset="0"/>
+            </a:endParaRPr>
+          </a:p>
+        </p:txBody>
+      </p:sp>
+      <p:cxnSp>
+        <p:nvCxnSpPr>
+          <p:cNvPr id="4" name="Straight Connector 3">
+            <a:extLst>
+              <a:ext uri="{FF2B5EF4-FFF2-40B4-BE49-F238E27FC236}">
+                <a16:creationId xmlns:a16="http://schemas.microsoft.com/office/drawing/2014/main" id="{21EB9266-7893-490F-8F88-BF2A8FF88F0D}"/>
+              </a:ext>
+            </a:extLst>
+          </p:cNvPr>
+          <p:cNvCxnSpPr>
+            <a:cxnSpLocks/>
+          </p:cNvCxnSpPr>
+          <p:nvPr/>
+        </p:nvCxnSpPr>
+        <p:spPr>
+          <a:xfrm>
+            <a:off x="651164" y="874830"/>
+            <a:ext cx="2443018" cy="0"/>
+          </a:xfrm>
+          <a:prstGeom prst="line">
+            <a:avLst/>
+          </a:prstGeom>
+          <a:ln w="38100"/>
+        </p:spPr>
+        <p:style>
+          <a:lnRef idx="1">
+            <a:schemeClr val="accent1"/>
+          </a:lnRef>
+          <a:fillRef idx="0">
+            <a:schemeClr val="accent1"/>
+          </a:fillRef>
+          <a:effectRef idx="0">
+            <a:schemeClr val="accent1"/>
+          </a:effectRef>
+          <a:fontRef idx="minor">
+            <a:schemeClr val="tx1"/>
+          </a:fontRef>
+        </p:style>
+      </p:cxnSp>
+      <p:pic>
+        <p:nvPicPr>
+          <p:cNvPr id="6" name="Picture 5" descr="IITH Logo Design">
+            <a:extLst>
+              <a:ext uri="{FF2B5EF4-FFF2-40B4-BE49-F238E27FC236}">
+                <a16:creationId xmlns:a16="http://schemas.microsoft.com/office/drawing/2014/main" id="{AA71E5E9-6B82-418E-8FED-534AF09DE14F}"/>
+              </a:ext>
+            </a:extLst>
+          </p:cNvPr>
+          <p:cNvPicPr>
+            <a:picLocks noChangeAspect="1"/>
+          </p:cNvPicPr>
+          <p:nvPr/>
+        </p:nvPicPr>
+        <p:blipFill>
+          <a:blip r:embed="rId2" cstate="print">
+            <a:extLst>
+              <a:ext uri="{28A0092B-C50C-407E-A947-70E740481C1C}">
+                <a14:useLocalDpi xmlns:a14="http://schemas.microsoft.com/office/drawing/2010/main" val="0"/>
+              </a:ext>
+            </a:extLst>
+          </a:blip>
+          <a:srcRect/>
+          <a:stretch>
+            <a:fillRect/>
+          </a:stretch>
+        </p:blipFill>
+        <p:spPr bwMode="auto">
+          <a:xfrm>
+            <a:off x="11321786" y="166966"/>
+            <a:ext cx="703312" cy="707864"/>
+          </a:xfrm>
+          <a:prstGeom prst="rect">
+            <a:avLst/>
+          </a:prstGeom>
+          <a:noFill/>
+          <a:ln>
+            <a:noFill/>
+          </a:ln>
+        </p:spPr>
+      </p:pic>
+      <p:cxnSp>
+        <p:nvCxnSpPr>
+          <p:cNvPr id="8" name="Straight Connector 7">
+            <a:extLst>
+              <a:ext uri="{FF2B5EF4-FFF2-40B4-BE49-F238E27FC236}">
+                <a16:creationId xmlns:a16="http://schemas.microsoft.com/office/drawing/2014/main" id="{C5A11E7C-DBEE-46CE-B1FB-9B780C9F6EBA}"/>
+              </a:ext>
+            </a:extLst>
+          </p:cNvPr>
+          <p:cNvCxnSpPr>
+            <a:cxnSpLocks/>
+          </p:cNvCxnSpPr>
+          <p:nvPr/>
+        </p:nvCxnSpPr>
+        <p:spPr>
+          <a:xfrm>
+            <a:off x="708891" y="6387087"/>
+            <a:ext cx="10774218" cy="0"/>
+          </a:xfrm>
+          <a:prstGeom prst="line">
+            <a:avLst/>
+          </a:prstGeom>
+          <a:ln w="38100"/>
+        </p:spPr>
+        <p:style>
+          <a:lnRef idx="1">
+            <a:schemeClr val="accent1"/>
+          </a:lnRef>
+          <a:fillRef idx="0">
+            <a:schemeClr val="accent1"/>
+          </a:fillRef>
+          <a:effectRef idx="0">
+            <a:schemeClr val="accent1"/>
+          </a:effectRef>
+          <a:fontRef idx="minor">
+            <a:schemeClr val="tx1"/>
+          </a:fontRef>
+        </p:style>
+      </p:cxnSp>
+    </p:spTree>
+    <p:extLst>
+      <p:ext uri="{BB962C8B-B14F-4D97-AF65-F5344CB8AC3E}">
+        <p14:creationId xmlns:p14="http://schemas.microsoft.com/office/powerpoint/2010/main" val="2898666448"/>
+      </p:ext>
+    </p:extLst>
+  </p:cSld>
+  <p:clrMapOvr>
+    <a:masterClrMapping/>
+  </p:clrMapOvr>
+</p:sld>
+</file>
+
+<file path=ppt/slides/slide5.xml><?xml version="1.0" encoding="utf-8"?>
+<p:sld xmlns:a="http://schemas.openxmlformats.org/drawingml/2006/main" xmlns:r="http://schemas.openxmlformats.org/officeDocument/2006/relationships" xmlns:p="http://schemas.openxmlformats.org/presentationml/2006/main">
+  <p:cSld>
+    <p:spTree>
+      <p:nvGrpSpPr>
+        <p:cNvPr id="1" name=""/>
+        <p:cNvGrpSpPr/>
+        <p:nvPr/>
+      </p:nvGrpSpPr>
+      <p:grpSpPr>
+        <a:xfrm>
+          <a:off x="0" y="0"/>
+          <a:ext cx="0" cy="0"/>
+          <a:chOff x="0" y="0"/>
+          <a:chExt cx="0" cy="0"/>
+        </a:xfrm>
+      </p:grpSpPr>
+      <p:sp>
+        <p:nvSpPr>
+          <p:cNvPr id="2" name="Title 1">
+            <a:extLst>
+              <a:ext uri="{FF2B5EF4-FFF2-40B4-BE49-F238E27FC236}">
+                <a16:creationId xmlns:a16="http://schemas.microsoft.com/office/drawing/2014/main" id="{846C5ACE-43FC-46A8-BADE-74B4D9BBAE3A}"/>
+              </a:ext>
+            </a:extLst>
+          </p:cNvPr>
+          <p:cNvSpPr>
+            <a:spLocks noGrp="1"/>
+          </p:cNvSpPr>
+          <p:nvPr>
+            <p:ph type="title"/>
+          </p:nvPr>
+        </p:nvSpPr>
+        <p:spPr>
+          <a:xfrm>
+            <a:off x="524164" y="286327"/>
+            <a:ext cx="10515600" cy="489961"/>
+          </a:xfrm>
+        </p:spPr>
+        <p:txBody>
+          <a:bodyPr>
+            <a:normAutofit fontScale="90000"/>
+          </a:bodyPr>
+          <a:lstStyle/>
+          <a:p>
+            <a:r>
+              <a:rPr lang="en-US" sz="3200" dirty="0">
+                <a:latin typeface="Arial" panose="020B0604020202020204" pitchFamily="34" charset="0"/>
+                <a:cs typeface="Arial" panose="020B0604020202020204" pitchFamily="34" charset="0"/>
+              </a:rPr>
+              <a:t>Frontend</a:t>
+            </a:r>
+            <a:endParaRPr lang="en-IN" sz="3200" dirty="0">
+              <a:latin typeface="Arial" panose="020B0604020202020204" pitchFamily="34" charset="0"/>
+              <a:cs typeface="Arial" panose="020B0604020202020204" pitchFamily="34" charset="0"/>
+            </a:endParaRPr>
+          </a:p>
+        </p:txBody>
+      </p:sp>
+      <p:sp>
+        <p:nvSpPr>
+          <p:cNvPr id="3" name="Content Placeholder 2">
+            <a:extLst>
+              <a:ext uri="{FF2B5EF4-FFF2-40B4-BE49-F238E27FC236}">
+                <a16:creationId xmlns:a16="http://schemas.microsoft.com/office/drawing/2014/main" id="{A069572D-1F86-46D7-9755-07B92F83520E}"/>
+              </a:ext>
+            </a:extLst>
+          </p:cNvPr>
+          <p:cNvSpPr>
+            <a:spLocks noGrp="1"/>
+          </p:cNvSpPr>
+          <p:nvPr>
+            <p:ph idx="1"/>
+          </p:nvPr>
+        </p:nvSpPr>
+        <p:spPr>
+          <a:xfrm>
+            <a:off x="651164" y="1246910"/>
+            <a:ext cx="10702636" cy="4930053"/>
+          </a:xfrm>
+        </p:spPr>
+        <p:txBody>
+          <a:bodyPr>
+            <a:normAutofit/>
+          </a:bodyPr>
+          <a:lstStyle/>
+          <a:p>
+            <a:r>
+              <a:rPr lang="en-US" sz="2000" dirty="0">
+                <a:latin typeface="Arial" panose="020B0604020202020204" pitchFamily="34" charset="0"/>
+                <a:cs typeface="Arial" panose="020B0604020202020204" pitchFamily="34" charset="0"/>
+              </a:rPr>
+              <a:t>Sensors used</a:t>
+            </a:r>
+          </a:p>
+          <a:p>
+            <a:r>
+              <a:rPr lang="en-US" sz="2000" dirty="0" err="1">
+                <a:latin typeface="Arial" panose="020B0604020202020204" pitchFamily="34" charset="0"/>
+                <a:cs typeface="Arial" panose="020B0604020202020204" pitchFamily="34" charset="0"/>
+              </a:rPr>
+              <a:t>Rpi</a:t>
+            </a:r>
+            <a:r>
+              <a:rPr lang="en-US" sz="2000" dirty="0">
+                <a:latin typeface="Arial" panose="020B0604020202020204" pitchFamily="34" charset="0"/>
+                <a:cs typeface="Arial" panose="020B0604020202020204" pitchFamily="34" charset="0"/>
+              </a:rPr>
+              <a:t> function</a:t>
+            </a:r>
+          </a:p>
+          <a:p>
+            <a:r>
+              <a:rPr lang="en-US" sz="2000" dirty="0">
+                <a:latin typeface="Arial" panose="020B0604020202020204" pitchFamily="34" charset="0"/>
+                <a:cs typeface="Arial" panose="020B0604020202020204" pitchFamily="34" charset="0"/>
+              </a:rPr>
+              <a:t>Diagram</a:t>
+            </a:r>
+            <a:endParaRPr lang="en-IN" sz="1600" dirty="0">
+              <a:latin typeface="Arial" panose="020B0604020202020204" pitchFamily="34" charset="0"/>
+              <a:cs typeface="Arial" panose="020B0604020202020204" pitchFamily="34" charset="0"/>
+            </a:endParaRPr>
+          </a:p>
+        </p:txBody>
+      </p:sp>
+      <p:cxnSp>
+        <p:nvCxnSpPr>
+          <p:cNvPr id="4" name="Straight Connector 3">
+            <a:extLst>
+              <a:ext uri="{FF2B5EF4-FFF2-40B4-BE49-F238E27FC236}">
+                <a16:creationId xmlns:a16="http://schemas.microsoft.com/office/drawing/2014/main" id="{21EB9266-7893-490F-8F88-BF2A8FF88F0D}"/>
+              </a:ext>
+            </a:extLst>
+          </p:cNvPr>
+          <p:cNvCxnSpPr>
+            <a:cxnSpLocks/>
+          </p:cNvCxnSpPr>
+          <p:nvPr/>
+        </p:nvCxnSpPr>
+        <p:spPr>
+          <a:xfrm>
+            <a:off x="651164" y="874830"/>
+            <a:ext cx="2443018" cy="0"/>
+          </a:xfrm>
+          <a:prstGeom prst="line">
+            <a:avLst/>
+          </a:prstGeom>
+          <a:ln w="38100"/>
+        </p:spPr>
+        <p:style>
+          <a:lnRef idx="1">
+            <a:schemeClr val="accent1"/>
+          </a:lnRef>
+          <a:fillRef idx="0">
+            <a:schemeClr val="accent1"/>
+          </a:fillRef>
+          <a:effectRef idx="0">
+            <a:schemeClr val="accent1"/>
+          </a:effectRef>
+          <a:fontRef idx="minor">
+            <a:schemeClr val="tx1"/>
+          </a:fontRef>
+        </p:style>
+      </p:cxnSp>
+      <p:pic>
+        <p:nvPicPr>
+          <p:cNvPr id="6" name="Picture 5" descr="IITH Logo Design">
+            <a:extLst>
+              <a:ext uri="{FF2B5EF4-FFF2-40B4-BE49-F238E27FC236}">
+                <a16:creationId xmlns:a16="http://schemas.microsoft.com/office/drawing/2014/main" id="{AA71E5E9-6B82-418E-8FED-534AF09DE14F}"/>
+              </a:ext>
+            </a:extLst>
+          </p:cNvPr>
+          <p:cNvPicPr>
+            <a:picLocks noChangeAspect="1"/>
+          </p:cNvPicPr>
+          <p:nvPr/>
+        </p:nvPicPr>
+        <p:blipFill>
+          <a:blip r:embed="rId2" cstate="print">
+            <a:extLst>
+              <a:ext uri="{28A0092B-C50C-407E-A947-70E740481C1C}">
+                <a14:useLocalDpi xmlns:a14="http://schemas.microsoft.com/office/drawing/2010/main" val="0"/>
+              </a:ext>
+            </a:extLst>
+          </a:blip>
+          <a:srcRect/>
+          <a:stretch>
+            <a:fillRect/>
+          </a:stretch>
+        </p:blipFill>
+        <p:spPr bwMode="auto">
+          <a:xfrm>
+            <a:off x="11321786" y="166966"/>
+            <a:ext cx="703312" cy="707864"/>
+          </a:xfrm>
+          <a:prstGeom prst="rect">
+            <a:avLst/>
+          </a:prstGeom>
+          <a:noFill/>
+          <a:ln>
+            <a:noFill/>
+          </a:ln>
+        </p:spPr>
+      </p:pic>
+      <p:cxnSp>
+        <p:nvCxnSpPr>
+          <p:cNvPr id="8" name="Straight Connector 7">
+            <a:extLst>
+              <a:ext uri="{FF2B5EF4-FFF2-40B4-BE49-F238E27FC236}">
+                <a16:creationId xmlns:a16="http://schemas.microsoft.com/office/drawing/2014/main" id="{C5A11E7C-DBEE-46CE-B1FB-9B780C9F6EBA}"/>
+              </a:ext>
+            </a:extLst>
+          </p:cNvPr>
+          <p:cNvCxnSpPr>
+            <a:cxnSpLocks/>
+          </p:cNvCxnSpPr>
+          <p:nvPr/>
+        </p:nvCxnSpPr>
+        <p:spPr>
+          <a:xfrm>
+            <a:off x="708891" y="6387087"/>
+            <a:ext cx="10774218" cy="0"/>
+          </a:xfrm>
+          <a:prstGeom prst="line">
+            <a:avLst/>
+          </a:prstGeom>
+          <a:ln w="38100"/>
+        </p:spPr>
+        <p:style>
+          <a:lnRef idx="1">
+            <a:schemeClr val="accent1"/>
+          </a:lnRef>
+          <a:fillRef idx="0">
+            <a:schemeClr val="accent1"/>
+          </a:fillRef>
+          <a:effectRef idx="0">
+            <a:schemeClr val="accent1"/>
+          </a:effectRef>
+          <a:fontRef idx="minor">
+            <a:schemeClr val="tx1"/>
+          </a:fontRef>
+        </p:style>
+      </p:cxnSp>
+    </p:spTree>
+    <p:extLst>
+      <p:ext uri="{BB962C8B-B14F-4D97-AF65-F5344CB8AC3E}">
+        <p14:creationId xmlns:p14="http://schemas.microsoft.com/office/powerpoint/2010/main" val="1851865552"/>
+      </p:ext>
+    </p:extLst>
+  </p:cSld>
+  <p:clrMapOvr>
+    <a:masterClrMapping/>
+  </p:clrMapOvr>
+</p:sld>
+</file>
+
+<file path=ppt/slides/slide6.xml><?xml version="1.0" encoding="utf-8"?>
+<p:sld xmlns:a="http://schemas.openxmlformats.org/drawingml/2006/main" xmlns:r="http://schemas.openxmlformats.org/officeDocument/2006/relationships" xmlns:p="http://schemas.openxmlformats.org/presentationml/2006/main">
+  <p:cSld>
+    <p:spTree>
+      <p:nvGrpSpPr>
+        <p:cNvPr id="1" name=""/>
+        <p:cNvGrpSpPr/>
+        <p:nvPr/>
+      </p:nvGrpSpPr>
+      <p:grpSpPr>
+        <a:xfrm>
+          <a:off x="0" y="0"/>
+          <a:ext cx="0" cy="0"/>
+          <a:chOff x="0" y="0"/>
+          <a:chExt cx="0" cy="0"/>
+        </a:xfrm>
+      </p:grpSpPr>
+      <p:sp>
+        <p:nvSpPr>
+          <p:cNvPr id="2" name="Title 1">
+            <a:extLst>
+              <a:ext uri="{FF2B5EF4-FFF2-40B4-BE49-F238E27FC236}">
+                <a16:creationId xmlns:a16="http://schemas.microsoft.com/office/drawing/2014/main" id="{846C5ACE-43FC-46A8-BADE-74B4D9BBAE3A}"/>
+              </a:ext>
+            </a:extLst>
+          </p:cNvPr>
+          <p:cNvSpPr>
+            <a:spLocks noGrp="1"/>
+          </p:cNvSpPr>
+          <p:nvPr>
+            <p:ph type="title"/>
+          </p:nvPr>
+        </p:nvSpPr>
+        <p:spPr>
+          <a:xfrm>
+            <a:off x="524164" y="286327"/>
+            <a:ext cx="10515600" cy="489961"/>
+          </a:xfrm>
+        </p:spPr>
+        <p:txBody>
+          <a:bodyPr>
+            <a:normAutofit fontScale="90000"/>
+          </a:bodyPr>
+          <a:lstStyle/>
+          <a:p>
+            <a:r>
+              <a:rPr lang="en-US" sz="3200" dirty="0">
+                <a:latin typeface="Arial" panose="020B0604020202020204" pitchFamily="34" charset="0"/>
+                <a:cs typeface="Arial" panose="020B0604020202020204" pitchFamily="34" charset="0"/>
+              </a:rPr>
+              <a:t>Sprint Timeline</a:t>
+            </a:r>
+            <a:endParaRPr lang="en-IN" sz="3200" dirty="0">
+              <a:latin typeface="Arial" panose="020B0604020202020204" pitchFamily="34" charset="0"/>
+              <a:cs typeface="Arial" panose="020B0604020202020204" pitchFamily="34" charset="0"/>
+            </a:endParaRPr>
+          </a:p>
+        </p:txBody>
+      </p:sp>
+      <p:sp>
+        <p:nvSpPr>
+          <p:cNvPr id="3" name="Content Placeholder 2">
+            <a:extLst>
+              <a:ext uri="{FF2B5EF4-FFF2-40B4-BE49-F238E27FC236}">
+                <a16:creationId xmlns:a16="http://schemas.microsoft.com/office/drawing/2014/main" id="{A069572D-1F86-46D7-9755-07B92F83520E}"/>
+              </a:ext>
+            </a:extLst>
+          </p:cNvPr>
+          <p:cNvSpPr>
+            <a:spLocks noGrp="1"/>
+          </p:cNvSpPr>
+          <p:nvPr>
+            <p:ph idx="1"/>
+          </p:nvPr>
+        </p:nvSpPr>
+        <p:spPr>
+          <a:xfrm>
+            <a:off x="651164" y="1246910"/>
+            <a:ext cx="10702636" cy="4930053"/>
+          </a:xfrm>
+        </p:spPr>
+        <p:txBody>
+          <a:bodyPr>
+            <a:normAutofit/>
+          </a:bodyPr>
+          <a:lstStyle/>
+          <a:p>
+            <a:r>
+              <a:rPr lang="en-US" sz="2000" dirty="0">
+                <a:latin typeface="Arial" panose="020B0604020202020204" pitchFamily="34" charset="0"/>
+                <a:cs typeface="Arial" panose="020B0604020202020204" pitchFamily="34" charset="0"/>
+              </a:rPr>
+              <a:t>Table containing plan of approach</a:t>
+            </a:r>
+            <a:endParaRPr lang="en-IN" sz="2000" dirty="0">
+              <a:latin typeface="Arial" panose="020B0604020202020204" pitchFamily="34" charset="0"/>
+              <a:cs typeface="Arial" panose="020B0604020202020204" pitchFamily="34" charset="0"/>
+            </a:endParaRPr>
+          </a:p>
+        </p:txBody>
+      </p:sp>
+      <p:cxnSp>
+        <p:nvCxnSpPr>
+          <p:cNvPr id="4" name="Straight Connector 3">
+            <a:extLst>
+              <a:ext uri="{FF2B5EF4-FFF2-40B4-BE49-F238E27FC236}">
+                <a16:creationId xmlns:a16="http://schemas.microsoft.com/office/drawing/2014/main" id="{21EB9266-7893-490F-8F88-BF2A8FF88F0D}"/>
+              </a:ext>
+            </a:extLst>
+          </p:cNvPr>
+          <p:cNvCxnSpPr>
+            <a:cxnSpLocks/>
+          </p:cNvCxnSpPr>
+          <p:nvPr/>
+        </p:nvCxnSpPr>
+        <p:spPr>
+          <a:xfrm>
+            <a:off x="651164" y="874830"/>
+            <a:ext cx="2443018" cy="0"/>
+          </a:xfrm>
+          <a:prstGeom prst="line">
+            <a:avLst/>
+          </a:prstGeom>
+          <a:ln w="38100"/>
+        </p:spPr>
+        <p:style>
+          <a:lnRef idx="1">
+            <a:schemeClr val="accent1"/>
+          </a:lnRef>
+          <a:fillRef idx="0">
+            <a:schemeClr val="accent1"/>
+          </a:fillRef>
+          <a:effectRef idx="0">
+            <a:schemeClr val="accent1"/>
+          </a:effectRef>
+          <a:fontRef idx="minor">
+            <a:schemeClr val="tx1"/>
+          </a:fontRef>
+        </p:style>
+      </p:cxnSp>
+      <p:pic>
+        <p:nvPicPr>
+          <p:cNvPr id="6" name="Picture 5" descr="IITH Logo Design">
+            <a:extLst>
+              <a:ext uri="{FF2B5EF4-FFF2-40B4-BE49-F238E27FC236}">
+                <a16:creationId xmlns:a16="http://schemas.microsoft.com/office/drawing/2014/main" id="{AA71E5E9-6B82-418E-8FED-534AF09DE14F}"/>
+              </a:ext>
+            </a:extLst>
+          </p:cNvPr>
+          <p:cNvPicPr>
+            <a:picLocks noChangeAspect="1"/>
+          </p:cNvPicPr>
+          <p:nvPr/>
+        </p:nvPicPr>
+        <p:blipFill>
+          <a:blip r:embed="rId2" cstate="print">
+            <a:extLst>
+              <a:ext uri="{28A0092B-C50C-407E-A947-70E740481C1C}">
+                <a14:useLocalDpi xmlns:a14="http://schemas.microsoft.com/office/drawing/2010/main" val="0"/>
+              </a:ext>
+            </a:extLst>
+          </a:blip>
+          <a:srcRect/>
+          <a:stretch>
+            <a:fillRect/>
+          </a:stretch>
+        </p:blipFill>
+        <p:spPr bwMode="auto">
+          <a:xfrm>
+            <a:off x="11321786" y="166966"/>
+            <a:ext cx="703312" cy="707864"/>
+          </a:xfrm>
+          <a:prstGeom prst="rect">
+            <a:avLst/>
+          </a:prstGeom>
+          <a:noFill/>
+          <a:ln>
+            <a:noFill/>
+          </a:ln>
+        </p:spPr>
+      </p:pic>
+      <p:cxnSp>
+        <p:nvCxnSpPr>
+          <p:cNvPr id="8" name="Straight Connector 7">
+            <a:extLst>
+              <a:ext uri="{FF2B5EF4-FFF2-40B4-BE49-F238E27FC236}">
+                <a16:creationId xmlns:a16="http://schemas.microsoft.com/office/drawing/2014/main" id="{C5A11E7C-DBEE-46CE-B1FB-9B780C9F6EBA}"/>
+              </a:ext>
+            </a:extLst>
+          </p:cNvPr>
+          <p:cNvCxnSpPr>
+            <a:cxnSpLocks/>
+          </p:cNvCxnSpPr>
+          <p:nvPr/>
+        </p:nvCxnSpPr>
+        <p:spPr>
+          <a:xfrm>
+            <a:off x="708891" y="6387087"/>
+            <a:ext cx="10774218" cy="0"/>
+          </a:xfrm>
+          <a:prstGeom prst="line">
+            <a:avLst/>
+          </a:prstGeom>
+          <a:ln w="38100"/>
+        </p:spPr>
+        <p:style>
+          <a:lnRef idx="1">
+            <a:schemeClr val="accent1"/>
+          </a:lnRef>
+          <a:fillRef idx="0">
+            <a:schemeClr val="accent1"/>
+          </a:fillRef>
+          <a:effectRef idx="0">
+            <a:schemeClr val="accent1"/>
+          </a:effectRef>
+          <a:fontRef idx="minor">
+            <a:schemeClr val="tx1"/>
+          </a:fontRef>
+        </p:style>
+      </p:cxnSp>
+    </p:spTree>
+    <p:extLst>
+      <p:ext uri="{BB962C8B-B14F-4D97-AF65-F5344CB8AC3E}">
+        <p14:creationId xmlns:p14="http://schemas.microsoft.com/office/powerpoint/2010/main" val="3142187370"/>
       </p:ext>
     </p:extLst>
   </p:cSld>
